--- a/old/apcsa_8_4.pptx
+++ b/old/apcsa_8_4.pptx
@@ -787,7 +787,7 @@
       </p:grpSpPr>
       <p:sp>
         <p:nvSpPr>
-          <p:cNvPr id="242" name="Shape 242"/>
+          <p:cNvPr id="243" name="Shape 243"/>
           <p:cNvSpPr/>
           <p:nvPr>
             <p:ph type="sldImg"/>
@@ -808,7 +808,7 @@
       </p:sp>
       <p:sp>
         <p:nvSpPr>
-          <p:cNvPr id="243" name="Shape 243"/>
+          <p:cNvPr id="244" name="Shape 244"/>
           <p:cNvSpPr/>
           <p:nvPr>
             <p:ph type="body" sz="quarter" idx="1"/>
@@ -3298,7 +3298,7 @@
         <p:spPr>
           <a:xfrm>
             <a:off x="7260108" y="39450"/>
-            <a:ext cx="1574267" cy="215901"/>
+            <a:ext cx="1475383" cy="215901"/>
           </a:xfrm>
           <a:prstGeom prst="rect">
             <a:avLst/>
@@ -3329,7 +3329,7 @@
           <a:p>
             <a:pPr/>
             <a:r>
-              <a:t>Dr. O’Brien. 3/31/22</a:t>
+              <a:t>Dr. O’Brien. 4/4/22</a:t>
             </a:r>
           </a:p>
         </p:txBody>
@@ -5757,7 +5757,7 @@
               </a:defRPr>
             </a:pPr>
             <a:r>
-              <a:t>Lesson 8.4</a:t>
+              <a:t>Lesson 9.1</a:t>
             </a:r>
           </a:p>
         </p:txBody>
@@ -5808,7 +5808,7 @@
               <a:defRPr sz="1600"/>
             </a:pPr>
             <a:r>
-              <a:t>31 March 2022</a:t>
+              <a:t>4 April 2022</a:t>
             </a:r>
           </a:p>
         </p:txBody>
@@ -7116,8 +7116,8 @@
       </p:par>
     </p:tnLst>
     <p:bldLst>
+      <p:bldP build="whole" bldLvl="1" animBg="1" rev="0" advAuto="0" spid="220" grpId="1"/>
       <p:bldP build="whole" bldLvl="1" animBg="1" rev="0" advAuto="0" spid="219" grpId="2"/>
-      <p:bldP build="whole" bldLvl="1" animBg="1" rev="0" advAuto="0" spid="220" grpId="1"/>
     </p:bldLst>
   </p:timing>
 </p:sld>
@@ -7684,8 +7684,8 @@
         </p:nvSpPr>
         <p:spPr>
           <a:xfrm>
-            <a:off x="778972" y="1600200"/>
-            <a:ext cx="3278434" cy="1079500"/>
+            <a:off x="444738" y="1375411"/>
+            <a:ext cx="4115470" cy="2313485"/>
           </a:xfrm>
           <a:prstGeom prst="rect">
             <a:avLst/>
@@ -7705,10 +7705,14 @@
           </a:bodyPr>
           <a:lstStyle/>
           <a:p>
-            <a:pPr marL="187156" indent="-187156">
-              <a:buSzPct val="100000"/>
-              <a:buAutoNum type="arabicPeriod" startAt="1"/>
+            <a:pPr defTabSz="457200">
+              <a:spcBef>
+                <a:spcPts val="1400"/>
+              </a:spcBef>
               <a:defRPr>
+                <a:solidFill>
+                  <a:srgbClr val="333333"/>
+                </a:solidFill>
                 <a:latin typeface="+mj-lt"/>
                 <a:ea typeface="+mj-ea"/>
                 <a:cs typeface="+mj-cs"/>
@@ -7716,14 +7720,55 @@
               </a:defRPr>
             </a:pPr>
             <a:r>
-              <a:t>What has to be true for binary search to work? </a:t>
-            </a:r>
-          </a:p>
-          <a:p>
-            <a:pPr marL="187156" indent="-187156">
-              <a:buSzPct val="100000"/>
-              <a:buAutoNum type="arabicPeriod" startAt="1"/>
+              <a:t>The following statement appears in a method in the same class as</a:t>
+            </a:r>
+            <a:r>
+              <a:rPr>
+                <a:latin typeface="Menlo Regular"/>
+                <a:ea typeface="Menlo Regular"/>
+                <a:cs typeface="Menlo Regular"/>
+                <a:sym typeface="Menlo Regular"/>
+              </a:rPr>
+              <a:t> bSearch</a:t>
+            </a:r>
+            <a:r>
+              <a:t>. Assume that</a:t>
+            </a:r>
+            <a:r>
+              <a:rPr>
+                <a:latin typeface="Menlo Regular"/>
+                <a:ea typeface="Menlo Regular"/>
+                <a:cs typeface="Menlo Regular"/>
+                <a:sym typeface="Menlo Regular"/>
+              </a:rPr>
+              <a:t> nums </a:t>
+            </a:r>
+            <a:r>
+              <a:t>is a sorted array of length 7, containing only positive integers.</a:t>
+            </a:r>
+          </a:p>
+          <a:p>
+            <a:pPr defTabSz="457200">
               <a:defRPr>
+                <a:solidFill>
+                  <a:srgbClr val="333333"/>
+                </a:solidFill>
+                <a:latin typeface="Menlo Regular"/>
+                <a:ea typeface="Menlo Regular"/>
+                <a:cs typeface="Menlo Regular"/>
+                <a:sym typeface="Menlo Regular"/>
+              </a:defRPr>
+            </a:pPr>
+            <a:r>
+              <a:t>int result = bSearch(nums, 0, nums.length - 1, -100);</a:t>
+            </a:r>
+          </a:p>
+          <a:p>
+            <a:pPr defTabSz="457200">
+              <a:defRPr>
+                <a:solidFill>
+                  <a:srgbClr val="333333"/>
+                </a:solidFill>
                 <a:latin typeface="+mj-lt"/>
                 <a:ea typeface="+mj-ea"/>
                 <a:cs typeface="+mj-cs"/>
@@ -7731,57 +7776,40 @@
               </a:defRPr>
             </a:pPr>
             <a:r>
-              <a:t>How is a recursion used in binary search?</a:t>
-            </a:r>
-          </a:p>
-        </p:txBody>
-      </p:sp>
-      <p:pic>
-        <p:nvPicPr>
-          <p:cNvPr id="238" name="Image" descr="Image"/>
-          <p:cNvPicPr>
-            <a:picLocks noChangeAspect="1"/>
-          </p:cNvPicPr>
-          <p:nvPr/>
-        </p:nvPicPr>
-        <p:blipFill>
-          <a:blip r:embed="rId3">
-            <a:extLst/>
-          </a:blip>
-          <a:stretch>
-            <a:fillRect/>
-          </a:stretch>
-        </p:blipFill>
-        <p:spPr>
-          <a:xfrm>
-            <a:off x="4616051" y="1554711"/>
-            <a:ext cx="3053023" cy="2034078"/>
-          </a:xfrm>
-          <a:prstGeom prst="rect">
-            <a:avLst/>
-          </a:prstGeom>
-          <a:ln w="12700">
-            <a:miter lim="400000"/>
-          </a:ln>
-        </p:spPr>
-      </p:pic>
+              <a:t>How many times will the</a:t>
+            </a:r>
+            <a:r>
+              <a:rPr>
+                <a:latin typeface="Menlo Regular"/>
+                <a:ea typeface="Menlo Regular"/>
+                <a:cs typeface="Menlo Regular"/>
+                <a:sym typeface="Menlo Regular"/>
+              </a:rPr>
+              <a:t> bSearch </a:t>
+            </a:r>
+            <a:r>
+              <a:t>method be called as a result of executing the statement, including the initial call?</a:t>
+            </a:r>
+          </a:p>
+        </p:txBody>
+      </p:sp>
       <p:grpSp>
         <p:nvGrpSpPr>
-          <p:cNvPr id="241" name="Reflection: Thinking about thinking…"/>
+          <p:cNvPr id="240" name="Reflection: Thinking about thinking…"/>
           <p:cNvGrpSpPr/>
           <p:nvPr/>
         </p:nvGrpSpPr>
         <p:grpSpPr>
           <a:xfrm>
-            <a:off x="1404467" y="357128"/>
-            <a:ext cx="7302728" cy="939692"/>
+            <a:off x="1590152" y="-54195"/>
+            <a:ext cx="7302729" cy="939691"/>
             <a:chOff x="0" y="0"/>
             <a:chExt cx="7302727" cy="939690"/>
           </a:xfrm>
         </p:grpSpPr>
         <p:sp>
           <p:nvSpPr>
-            <p:cNvPr id="239" name="Rectangle"/>
+            <p:cNvPr id="238" name="Rectangle"/>
             <p:cNvSpPr/>
             <p:nvPr/>
           </p:nvSpPr>
@@ -7827,7 +7855,7 @@
         </p:sp>
         <p:sp>
           <p:nvSpPr>
-            <p:cNvPr id="240" name="Reflection: Thinking about thinking…"/>
+            <p:cNvPr id="239" name="Exit ticket…"/>
             <p:cNvSpPr txBox="1"/>
             <p:nvPr/>
           </p:nvSpPr>
@@ -7861,7 +7889,7 @@
                 <a:defRPr sz="2100"/>
               </a:pPr>
               <a:r>
-                <a:t>Reflection: Thinking about thinking</a:t>
+                <a:t>Exit ticket</a:t>
               </a:r>
             </a:p>
             <a:p>
@@ -7897,12 +7925,116 @@
                     </a:schemeClr>
                   </a:solidFill>
                 </a:rPr>
-                <a:t>Answer each question below with a complete sentence. Be prepared to share out!</a:t>
+                <a:t>Answer the question below with a complete sentence. Be prepared to share out!</a:t>
               </a:r>
             </a:p>
           </p:txBody>
         </p:sp>
       </p:grpSp>
+      <p:pic>
+        <p:nvPicPr>
+          <p:cNvPr id="241" name="Image" descr="Image"/>
+          <p:cNvPicPr>
+            <a:picLocks noChangeAspect="1"/>
+          </p:cNvPicPr>
+          <p:nvPr/>
+        </p:nvPicPr>
+        <p:blipFill>
+          <a:blip r:embed="rId3">
+            <a:extLst/>
+          </a:blip>
+          <a:stretch>
+            <a:fillRect/>
+          </a:stretch>
+        </p:blipFill>
+        <p:spPr>
+          <a:xfrm>
+            <a:off x="4598700" y="978887"/>
+            <a:ext cx="4374115" cy="3405617"/>
+          </a:xfrm>
+          <a:prstGeom prst="rect">
+            <a:avLst/>
+          </a:prstGeom>
+          <a:ln w="12700">
+            <a:miter lim="400000"/>
+          </a:ln>
+        </p:spPr>
+      </p:pic>
+      <p:sp>
+        <p:nvSpPr>
+          <p:cNvPr id="242" name="1…"/>
+          <p:cNvSpPr txBox="1"/>
+          <p:nvPr/>
+        </p:nvSpPr>
+        <p:spPr>
+          <a:xfrm>
+            <a:off x="3529884" y="3477230"/>
+            <a:ext cx="345533" cy="1010184"/>
+          </a:xfrm>
+          <a:prstGeom prst="rect">
+            <a:avLst/>
+          </a:prstGeom>
+          <a:ln w="12700">
+            <a:miter lim="400000"/>
+          </a:ln>
+          <a:extLst>
+            <a:ext uri="{C572A759-6A51-4108-AA02-DFA0A04FC94B}">
+              <ma14:wrappingTextBoxFlag xmlns:ma14="http://schemas.microsoft.com/office/mac/drawingml/2011/main" val="1"/>
+            </a:ext>
+          </a:extLst>
+        </p:spPr>
+        <p:txBody>
+          <a:bodyPr wrap="none" lIns="0" tIns="0" rIns="0" bIns="0">
+            <a:spAutoFit/>
+          </a:bodyPr>
+          <a:lstStyle/>
+          <a:p>
+            <a:pPr marL="233947" indent="-233947">
+              <a:buSzPct val="100000"/>
+              <a:buAutoNum type="alphaUcPeriod" startAt="1"/>
+            </a:pPr>
+            <a:r>
+              <a:t>1</a:t>
+            </a:r>
+          </a:p>
+          <a:p>
+            <a:pPr marL="233947" indent="-233947">
+              <a:buSzPct val="100000"/>
+              <a:buAutoNum type="alphaUcPeriod" startAt="1"/>
+            </a:pPr>
+            <a:r>
+              <a:t>3</a:t>
+            </a:r>
+          </a:p>
+          <a:p>
+            <a:pPr marL="233947" indent="-233947">
+              <a:buSzPct val="100000"/>
+              <a:buAutoNum type="alphaUcPeriod" startAt="1"/>
+            </a:pPr>
+            <a:r>
+              <a:t>4</a:t>
+            </a:r>
+          </a:p>
+          <a:p>
+            <a:pPr marL="233947" indent="-233947">
+              <a:buSzPct val="100000"/>
+              <a:buAutoNum type="alphaUcPeriod" startAt="1"/>
+            </a:pPr>
+            <a:r>
+              <a:t>5</a:t>
+            </a:r>
+          </a:p>
+          <a:p>
+            <a:pPr marL="233947" indent="-233947">
+              <a:buSzPct val="100000"/>
+              <a:buAutoNum type="alphaUcPeriod" startAt="1"/>
+            </a:pPr>
+            <a:r>
+              <a:t>7</a:t>
+            </a:r>
+          </a:p>
+        </p:txBody>
+      </p:sp>
     </p:spTree>
   </p:cSld>
   <p:clrMapOvr>
@@ -8029,23 +8161,14 @@
                             </p:childTnLst>
                           </p:cTn>
                         </p:par>
-                      </p:childTnLst>
-                    </p:cTn>
-                  </p:par>
-                  <p:par>
-                    <p:cTn id="12" fill="hold">
-                      <p:stCondLst>
-                        <p:cond delay="indefinite"/>
-                      </p:stCondLst>
-                      <p:childTnLst>
                         <p:par>
-                          <p:cTn id="13" fill="hold">
+                          <p:cTn id="12" fill="hold">
                             <p:stCondLst>
                               <p:cond delay="0"/>
                             </p:stCondLst>
                             <p:childTnLst>
                               <p:par>
-                                <p:cTn id="14" presetClass="entr" nodeType="clickEffect" presetSubtype="0" presetID="1" grpId="1" fill="hold">
+                                <p:cTn id="13" presetClass="entr" nodeType="afterEffect" presetSubtype="0" presetID="1" grpId="1" fill="hold">
                                   <p:stCondLst>
                                     <p:cond delay="0"/>
                                   </p:stCondLst>
@@ -8055,11 +8178,50 @@
                                   <p:childTnLst>
                                     <p:set>
                                       <p:cBhvr>
-                                        <p:cTn id="15" fill="hold"/>
+                                        <p:cTn id="14" fill="hold"/>
                                         <p:tgtEl>
                                           <p:spTgt spid="237">
                                             <p:txEl>
                                               <p:pRg st="2" end="2"/>
+                                            </p:txEl>
+                                          </p:spTgt>
+                                        </p:tgtEl>
+                                        <p:attrNameLst>
+                                          <p:attrName>style.visibility</p:attrName>
+                                        </p:attrNameLst>
+                                      </p:cBhvr>
+                                      <p:to>
+                                        <p:strVal val="visible"/>
+                                      </p:to>
+                                    </p:set>
+                                  </p:childTnLst>
+                                </p:cTn>
+                              </p:par>
+                            </p:childTnLst>
+                          </p:cTn>
+                        </p:par>
+                        <p:par>
+                          <p:cTn id="15" fill="hold">
+                            <p:stCondLst>
+                              <p:cond delay="0"/>
+                            </p:stCondLst>
+                            <p:childTnLst>
+                              <p:par>
+                                <p:cTn id="16" presetClass="entr" nodeType="afterEffect" presetSubtype="0" presetID="1" grpId="1" fill="hold">
+                                  <p:stCondLst>
+                                    <p:cond delay="0"/>
+                                  </p:stCondLst>
+                                  <p:iterate type="el" backwards="0">
+                                    <p:tmAbs val="0"/>
+                                  </p:iterate>
+                                  <p:childTnLst>
+                                    <p:set>
+                                      <p:cBhvr>
+                                        <p:cTn id="17" fill="hold"/>
+                                        <p:tgtEl>
+                                          <p:spTgt spid="237">
+                                            <p:txEl>
+                                              <p:pRg st="3" end="3"/>
                                             </p:txEl>
                                           </p:spTgt>
                                         </p:tgtEl>
